--- a/607-Weeks13-15-Final-Project/09 Final Project Presentation Slides.pptx
+++ b/607-Weeks13-15-Final-Project/09 Final Project Presentation Slides.pptx
@@ -8,12 +8,11 @@
     <p:sldId id="256" r:id="rId2"/>
     <p:sldId id="257" r:id="rId3"/>
     <p:sldId id="263" r:id="rId4"/>
-    <p:sldId id="262" r:id="rId5"/>
-    <p:sldId id="264" r:id="rId6"/>
-    <p:sldId id="268" r:id="rId7"/>
-    <p:sldId id="267" r:id="rId8"/>
-    <p:sldId id="260" r:id="rId9"/>
-    <p:sldId id="261" r:id="rId10"/>
+    <p:sldId id="264" r:id="rId5"/>
+    <p:sldId id="268" r:id="rId6"/>
+    <p:sldId id="267" r:id="rId7"/>
+    <p:sldId id="260" r:id="rId8"/>
+    <p:sldId id="261" r:id="rId9"/>
   </p:sldIdLst>
   <p:sldSz cx="12192000" cy="6858000"/>
   <p:notesSz cx="6858000" cy="9144000"/>
@@ -2326,7 +2325,7 @@
           </a:pPr>
           <a:r>
             <a:rPr lang="en-US" sz="1800" dirty="0"/>
-            <a:t>Acquire data educational data from the state of Michigan and community data from the US Census Bureau </a:t>
+            <a:t>Acquire data educational data from the state of Michigan and community data from the US Census Bureau’s API</a:t>
           </a:r>
         </a:p>
       </dgm:t>
@@ -3421,7 +3420,7 @@
           </a:pPr>
           <a:r>
             <a:rPr lang="en-US" sz="1800" kern="1200" dirty="0"/>
-            <a:t>Acquire data educational data from the state of Michigan and community data from the US Census Bureau </a:t>
+            <a:t>Acquire data educational data from the state of Michigan and community data from the US Census Bureau’s API</a:t>
           </a:r>
         </a:p>
       </dsp:txBody>
@@ -10446,7 +10445,7 @@
             <p:ph idx="1"/>
             <p:extLst>
               <p:ext uri="{D42A27DB-BD31-4B8C-83A1-F6EECF244321}">
-                <p14:modId xmlns:p14="http://schemas.microsoft.com/office/powerpoint/2010/main" val="1485002413"/>
+                <p14:modId xmlns:p14="http://schemas.microsoft.com/office/powerpoint/2010/main" val="3581895823"/>
               </p:ext>
             </p:extLst>
           </p:nvPr>
@@ -10475,353 +10474,6 @@
 </file>
 
 <file path=ppt/slides/slide4.xml><?xml version="1.0" encoding="utf-8"?>
-<p:sld xmlns:a="http://schemas.openxmlformats.org/drawingml/2006/main" xmlns:r="http://schemas.openxmlformats.org/officeDocument/2006/relationships" xmlns:p="http://schemas.openxmlformats.org/presentationml/2006/main">
-  <p:cSld>
-    <p:spTree>
-      <p:nvGrpSpPr>
-        <p:cNvPr id="1" name=""/>
-        <p:cNvGrpSpPr/>
-        <p:nvPr/>
-      </p:nvGrpSpPr>
-      <p:grpSpPr>
-        <a:xfrm>
-          <a:off x="0" y="0"/>
-          <a:ext cx="0" cy="0"/>
-          <a:chOff x="0" y="0"/>
-          <a:chExt cx="0" cy="0"/>
-        </a:xfrm>
-      </p:grpSpPr>
-      <p:sp>
-        <p:nvSpPr>
-          <p:cNvPr id="2" name="Title 1"/>
-          <p:cNvSpPr>
-            <a:spLocks noGrp="1"/>
-          </p:cNvSpPr>
-          <p:nvPr>
-            <p:ph type="title"/>
-          </p:nvPr>
-        </p:nvSpPr>
-        <p:spPr/>
-        <p:txBody>
-          <a:bodyPr/>
-          <a:lstStyle/>
-          <a:p>
-            <a:r>
-              <a:rPr lang="en-US" dirty="0"/>
-              <a:t>Data Sources</a:t>
-            </a:r>
-          </a:p>
-        </p:txBody>
-      </p:sp>
-      <p:graphicFrame>
-        <p:nvGraphicFramePr>
-          <p:cNvPr id="4" name="Content Placeholder 3"/>
-          <p:cNvGraphicFramePr>
-            <a:graphicFrameLocks noGrp="1"/>
-          </p:cNvGraphicFramePr>
-          <p:nvPr>
-            <p:ph idx="1"/>
-            <p:extLst>
-              <p:ext uri="{D42A27DB-BD31-4B8C-83A1-F6EECF244321}">
-                <p14:modId xmlns:p14="http://schemas.microsoft.com/office/powerpoint/2010/main" val="1860539868"/>
-              </p:ext>
-            </p:extLst>
-          </p:nvPr>
-        </p:nvGraphicFramePr>
-        <p:xfrm>
-          <a:off x="1096963" y="1846263"/>
-          <a:ext cx="10058400" cy="4206240"/>
-        </p:xfrm>
-        <a:graphic>
-          <a:graphicData uri="http://schemas.openxmlformats.org/drawingml/2006/table">
-            <a:tbl>
-              <a:tblPr firstRow="1" bandRow="1">
-                <a:tableStyleId>{5C22544A-7EE6-4342-B048-85BDC9FD1C3A}</a:tableStyleId>
-              </a:tblPr>
-              <a:tblGrid>
-                <a:gridCol w="5029200">
-                  <a:extLst>
-                    <a:ext uri="{9D8B030D-6E8A-4147-A177-3AD203B41FA5}">
-                      <a16:colId xmlns:a16="http://schemas.microsoft.com/office/drawing/2014/main" val="20000"/>
-                    </a:ext>
-                  </a:extLst>
-                </a:gridCol>
-                <a:gridCol w="5029200">
-                  <a:extLst>
-                    <a:ext uri="{9D8B030D-6E8A-4147-A177-3AD203B41FA5}">
-                      <a16:colId xmlns:a16="http://schemas.microsoft.com/office/drawing/2014/main" val="20001"/>
-                    </a:ext>
-                  </a:extLst>
-                </a:gridCol>
-              </a:tblGrid>
-              <a:tr h="370840">
-                <a:tc>
-                  <a:txBody>
-                    <a:bodyPr/>
-                    <a:lstStyle/>
-                    <a:p>
-                      <a:r>
-                        <a:rPr lang="en-US" sz="2400" dirty="0"/>
-                        <a:t>Data Type</a:t>
-                      </a:r>
-                    </a:p>
-                  </a:txBody>
-                  <a:tcPr/>
-                </a:tc>
-                <a:tc>
-                  <a:txBody>
-                    <a:bodyPr/>
-                    <a:lstStyle/>
-                    <a:p>
-                      <a:r>
-                        <a:rPr lang="en-US" sz="2400" dirty="0"/>
-                        <a:t>Source</a:t>
-                      </a:r>
-                    </a:p>
-                  </a:txBody>
-                  <a:tcPr/>
-                </a:tc>
-                <a:extLst>
-                  <a:ext uri="{0D108BD9-81ED-4DB2-BD59-A6C34878D82A}">
-                    <a16:rowId xmlns:a16="http://schemas.microsoft.com/office/drawing/2014/main" val="10000"/>
-                  </a:ext>
-                </a:extLst>
-              </a:tr>
-              <a:tr h="640080">
-                <a:tc>
-                  <a:txBody>
-                    <a:bodyPr/>
-                    <a:lstStyle/>
-                    <a:p>
-                      <a:r>
-                        <a:rPr lang="en-US" sz="2400" dirty="0"/>
-                        <a:t>Proficiency</a:t>
-                      </a:r>
-                      <a:r>
-                        <a:rPr lang="en-US" sz="2400" baseline="0" dirty="0"/>
-                        <a:t> on State Assessments</a:t>
-                      </a:r>
-                      <a:endParaRPr lang="en-US" sz="2400" dirty="0"/>
-                    </a:p>
-                  </a:txBody>
-                  <a:tcPr anchor="ctr"/>
-                </a:tc>
-                <a:tc>
-                  <a:txBody>
-                    <a:bodyPr/>
-                    <a:lstStyle/>
-                    <a:p>
-                      <a:r>
-                        <a:rPr lang="en-US" sz="2400" dirty="0">
-                          <a:hlinkClick r:id="rId2"/>
-                        </a:rPr>
-                        <a:t>www.mischooldata.org</a:t>
-                      </a:r>
-                      <a:r>
-                        <a:rPr lang="en-US" sz="2400" baseline="0" dirty="0"/>
-                        <a:t> / Data Request</a:t>
-                      </a:r>
-                      <a:endParaRPr lang="en-US" sz="2400" dirty="0"/>
-                    </a:p>
-                  </a:txBody>
-                  <a:tcPr anchor="ctr"/>
-                </a:tc>
-                <a:extLst>
-                  <a:ext uri="{0D108BD9-81ED-4DB2-BD59-A6C34878D82A}">
-                    <a16:rowId xmlns:a16="http://schemas.microsoft.com/office/drawing/2014/main" val="10001"/>
-                  </a:ext>
-                </a:extLst>
-              </a:tr>
-              <a:tr h="640080">
-                <a:tc>
-                  <a:txBody>
-                    <a:bodyPr/>
-                    <a:lstStyle/>
-                    <a:p>
-                      <a:r>
-                        <a:rPr lang="en-US" sz="2400" dirty="0"/>
-                        <a:t>School</a:t>
-                      </a:r>
-                      <a:r>
-                        <a:rPr lang="en-US" sz="2400" baseline="0" dirty="0"/>
-                        <a:t> Demographic Information</a:t>
-                      </a:r>
-                      <a:endParaRPr lang="en-US" sz="2400" dirty="0"/>
-                    </a:p>
-                  </a:txBody>
-                  <a:tcPr anchor="ctr"/>
-                </a:tc>
-                <a:tc>
-                  <a:txBody>
-                    <a:bodyPr/>
-                    <a:lstStyle/>
-                    <a:p>
-                      <a:r>
-                        <a:rPr lang="en-US" sz="2400" dirty="0">
-                          <a:hlinkClick r:id="rId2"/>
-                        </a:rPr>
-                        <a:t>www.mischooldata.org</a:t>
-                      </a:r>
-                      <a:r>
-                        <a:rPr lang="en-US" sz="2400" dirty="0"/>
-                        <a:t> </a:t>
-                      </a:r>
-                    </a:p>
-                  </a:txBody>
-                  <a:tcPr anchor="ctr"/>
-                </a:tc>
-                <a:extLst>
-                  <a:ext uri="{0D108BD9-81ED-4DB2-BD59-A6C34878D82A}">
-                    <a16:rowId xmlns:a16="http://schemas.microsoft.com/office/drawing/2014/main" val="10002"/>
-                  </a:ext>
-                </a:extLst>
-              </a:tr>
-              <a:tr h="640080">
-                <a:tc>
-                  <a:txBody>
-                    <a:bodyPr/>
-                    <a:lstStyle/>
-                    <a:p>
-                      <a:r>
-                        <a:rPr lang="en-US" sz="2400" dirty="0"/>
-                        <a:t>Entity Data with both state and federal school codes</a:t>
-                      </a:r>
-                    </a:p>
-                  </a:txBody>
-                  <a:tcPr anchor="ctr"/>
-                </a:tc>
-                <a:tc>
-                  <a:txBody>
-                    <a:bodyPr/>
-                    <a:lstStyle/>
-                    <a:p>
-                      <a:r>
-                        <a:rPr lang="en-US" sz="2400" dirty="0">
-                          <a:hlinkClick r:id="rId3"/>
-                        </a:rPr>
-                        <a:t>www.mi.gov</a:t>
-                      </a:r>
-                      <a:r>
-                        <a:rPr lang="en-US" sz="2400" baseline="0" dirty="0"/>
-                        <a:t> / Data Request</a:t>
-                      </a:r>
-                      <a:endParaRPr lang="en-US" sz="2400" dirty="0"/>
-                    </a:p>
-                  </a:txBody>
-                  <a:tcPr anchor="ctr"/>
-                </a:tc>
-                <a:extLst>
-                  <a:ext uri="{0D108BD9-81ED-4DB2-BD59-A6C34878D82A}">
-                    <a16:rowId xmlns:a16="http://schemas.microsoft.com/office/drawing/2014/main" val="10003"/>
-                  </a:ext>
-                </a:extLst>
-              </a:tr>
-              <a:tr h="640080">
-                <a:tc>
-                  <a:txBody>
-                    <a:bodyPr/>
-                    <a:lstStyle/>
-                    <a:p>
-                      <a:r>
-                        <a:rPr lang="en-US" sz="2400" dirty="0"/>
-                        <a:t>Community</a:t>
-                      </a:r>
-                      <a:r>
-                        <a:rPr lang="en-US" sz="2400" baseline="0" dirty="0"/>
-                        <a:t> Information from US Census API</a:t>
-                      </a:r>
-                      <a:endParaRPr lang="en-US" sz="2400" dirty="0"/>
-                    </a:p>
-                  </a:txBody>
-                  <a:tcPr anchor="ctr"/>
-                </a:tc>
-                <a:tc>
-                  <a:txBody>
-                    <a:bodyPr/>
-                    <a:lstStyle/>
-                    <a:p>
-                      <a:r>
-                        <a:rPr lang="en-US" sz="2400" dirty="0">
-                          <a:hlinkClick r:id="rId4"/>
-                        </a:rPr>
-                        <a:t>https://api.census.gov/data.html</a:t>
-                      </a:r>
-                      <a:r>
-                        <a:rPr lang="en-US" sz="2400" dirty="0"/>
-                        <a:t> </a:t>
-                      </a:r>
-                    </a:p>
-                  </a:txBody>
-                  <a:tcPr anchor="ctr"/>
-                </a:tc>
-                <a:extLst>
-                  <a:ext uri="{0D108BD9-81ED-4DB2-BD59-A6C34878D82A}">
-                    <a16:rowId xmlns:a16="http://schemas.microsoft.com/office/drawing/2014/main" val="10004"/>
-                  </a:ext>
-                </a:extLst>
-              </a:tr>
-              <a:tr h="640080">
-                <a:tc>
-                  <a:txBody>
-                    <a:bodyPr/>
-                    <a:lstStyle/>
-                    <a:p>
-                      <a:r>
-                        <a:rPr lang="en-US" sz="2400" dirty="0"/>
-                        <a:t>2016</a:t>
-                      </a:r>
-                      <a:r>
-                        <a:rPr lang="en-US" sz="2400" baseline="0" dirty="0"/>
-                        <a:t> US Poverty Thresholds</a:t>
-                      </a:r>
-                      <a:endParaRPr lang="en-US" sz="2400" dirty="0"/>
-                    </a:p>
-                  </a:txBody>
-                  <a:tcPr anchor="ctr"/>
-                </a:tc>
-                <a:tc>
-                  <a:txBody>
-                    <a:bodyPr/>
-                    <a:lstStyle/>
-                    <a:p>
-                      <a:r>
-                        <a:rPr lang="en-US" sz="2400" dirty="0">
-                          <a:hlinkClick r:id="rId5"/>
-                        </a:rPr>
-                        <a:t>https://www.census.gov/library/publications/2017/demo/p60-259.html</a:t>
-                      </a:r>
-                      <a:r>
-                        <a:rPr lang="en-US" sz="2400" dirty="0"/>
-                        <a:t>   </a:t>
-                      </a:r>
-                    </a:p>
-                  </a:txBody>
-                  <a:tcPr anchor="ctr"/>
-                </a:tc>
-                <a:extLst>
-                  <a:ext uri="{0D108BD9-81ED-4DB2-BD59-A6C34878D82A}">
-                    <a16:rowId xmlns:a16="http://schemas.microsoft.com/office/drawing/2014/main" val="10005"/>
-                  </a:ext>
-                </a:extLst>
-              </a:tr>
-            </a:tbl>
-          </a:graphicData>
-        </a:graphic>
-      </p:graphicFrame>
-    </p:spTree>
-    <p:extLst>
-      <p:ext uri="{BB962C8B-B14F-4D97-AF65-F5344CB8AC3E}">
-        <p14:creationId xmlns:p14="http://schemas.microsoft.com/office/powerpoint/2010/main" val="1452010013"/>
-      </p:ext>
-    </p:extLst>
-  </p:cSld>
-  <p:clrMapOvr>
-    <a:masterClrMapping/>
-  </p:clrMapOvr>
-</p:sld>
-</file>
-
-<file path=ppt/slides/slide5.xml><?xml version="1.0" encoding="utf-8"?>
 <p:sld xmlns:a="http://schemas.openxmlformats.org/drawingml/2006/main" xmlns:r="http://schemas.openxmlformats.org/officeDocument/2006/relationships" xmlns:p="http://schemas.openxmlformats.org/presentationml/2006/main">
   <p:cSld>
     <p:bg>
@@ -11168,7 +10820,7 @@
 </p:sld>
 </file>
 
-<file path=ppt/slides/slide6.xml><?xml version="1.0" encoding="utf-8"?>
+<file path=ppt/slides/slide5.xml><?xml version="1.0" encoding="utf-8"?>
 <p:sld xmlns:a="http://schemas.openxmlformats.org/drawingml/2006/main" xmlns:r="http://schemas.openxmlformats.org/officeDocument/2006/relationships" xmlns:p="http://schemas.openxmlformats.org/presentationml/2006/main">
   <p:cSld>
     <p:spTree>
@@ -11342,7 +10994,7 @@
 </p:sld>
 </file>
 
-<file path=ppt/slides/slide7.xml><?xml version="1.0" encoding="utf-8"?>
+<file path=ppt/slides/slide6.xml><?xml version="1.0" encoding="utf-8"?>
 <p:sld xmlns:a="http://schemas.openxmlformats.org/drawingml/2006/main" xmlns:r="http://schemas.openxmlformats.org/officeDocument/2006/relationships" xmlns:p="http://schemas.openxmlformats.org/presentationml/2006/main">
   <p:cSld>
     <p:spTree>
@@ -11516,7 +11168,7 @@
 </p:sld>
 </file>
 
-<file path=ppt/slides/slide8.xml><?xml version="1.0" encoding="utf-8"?>
+<file path=ppt/slides/slide7.xml><?xml version="1.0" encoding="utf-8"?>
 <p:sld xmlns:a="http://schemas.openxmlformats.org/drawingml/2006/main" xmlns:r="http://schemas.openxmlformats.org/officeDocument/2006/relationships" xmlns:p="http://schemas.openxmlformats.org/presentationml/2006/main">
   <p:cSld>
     <p:spTree>
@@ -12004,7 +11656,7 @@
 </p:sld>
 </file>
 
-<file path=ppt/slides/slide9.xml><?xml version="1.0" encoding="utf-8"?>
+<file path=ppt/slides/slide8.xml><?xml version="1.0" encoding="utf-8"?>
 <p:sld xmlns:a="http://schemas.openxmlformats.org/drawingml/2006/main" xmlns:r="http://schemas.openxmlformats.org/officeDocument/2006/relationships" xmlns:p="http://schemas.openxmlformats.org/presentationml/2006/main">
   <p:cSld>
     <p:spTree>
